--- a/Kafka/00-Introduction.pptx
+++ b/Kafka/00-Introduction.pptx
@@ -4885,11 +4885,7 @@
           <a:p>
             <a:r>
               <a:rPr lang="en-US" dirty="0"/>
-              <a:t>Backpressure – messages pile up and no </a:t>
-            </a:r>
-            <a:r>
-              <a:rPr lang="en-US"/>
-              <a:t>one consumes them.</a:t>
+              <a:t>Backpressure – messages pile up and no one consumes them.</a:t>
             </a:r>
           </a:p>
         </p:txBody>
